--- a/Document/Room503_중간발표.pptx
+++ b/Document/Room503_중간발표.pptx
@@ -7,7 +7,7 @@
     <p:sldMasterId id="2147483770" r:id="rId3"/>
   </p:sldMasterIdLst>
   <p:notesMasterIdLst>
-    <p:notesMasterId r:id="rId14"/>
+    <p:notesMasterId r:id="rId13"/>
   </p:notesMasterIdLst>
   <p:sldIdLst>
     <p:sldId id="256" r:id="rId4"/>
@@ -16,10 +16,9 @@
     <p:sldId id="284" r:id="rId7"/>
     <p:sldId id="297" r:id="rId8"/>
     <p:sldId id="296" r:id="rId9"/>
-    <p:sldId id="299" r:id="rId10"/>
-    <p:sldId id="301" r:id="rId11"/>
-    <p:sldId id="289" r:id="rId12"/>
-    <p:sldId id="298" r:id="rId13"/>
+    <p:sldId id="301" r:id="rId10"/>
+    <p:sldId id="289" r:id="rId11"/>
+    <p:sldId id="298" r:id="rId12"/>
   </p:sldIdLst>
   <p:sldSz cx="9144000" cy="5143500" type="screen16x9"/>
   <p:notesSz cx="6858000" cy="9144000"/>
@@ -31369,133 +31368,6 @@
 </p:sld>
 </file>
 
-<file path=ppt/slides/slide10.xml><?xml version="1.0" encoding="utf-8"?>
-<p:sld xmlns:a="http://schemas.openxmlformats.org/drawingml/2006/main" xmlns:r="http://schemas.openxmlformats.org/officeDocument/2006/relationships" xmlns:p="http://schemas.openxmlformats.org/presentationml/2006/main">
-  <p:cSld>
-    <p:spTree>
-      <p:nvGrpSpPr>
-        <p:cNvPr id="1" name=""/>
-        <p:cNvGrpSpPr/>
-        <p:nvPr/>
-      </p:nvGrpSpPr>
-      <p:grpSpPr>
-        <a:xfrm>
-          <a:off x="0" y="0"/>
-          <a:ext cx="0" cy="0"/>
-          <a:chOff x="0" y="0"/>
-          <a:chExt cx="0" cy="0"/>
-        </a:xfrm>
-      </p:grpSpPr>
-      <p:sp>
-        <p:nvSpPr>
-          <p:cNvPr id="4" name="텍스트 상자 3"/>
-          <p:cNvSpPr txBox="1">
-            <a:spLocks/>
-          </p:cNvSpPr>
-          <p:nvPr/>
-        </p:nvSpPr>
-        <p:spPr>
-          <a:xfrm>
-            <a:off x="1097280" y="1991995"/>
-            <a:ext cx="4524375" cy="1160145"/>
-          </a:xfrm>
-          <a:prstGeom prst="rect">
-            <a:avLst/>
-          </a:prstGeom>
-        </p:spPr>
-        <p:txBody>
-          <a:bodyPr vert="horz" wrap="square" lIns="91440" tIns="91440" rIns="91440" bIns="91440" anchor="b">
-            <a:noAutofit/>
-          </a:bodyPr>
-          <a:lstStyle/>
-          <a:p>
-            <a:pPr marL="0" indent="0" algn="l" defTabSz="914400" eaLnBrk="0" fontAlgn="auto">
-              <a:lnSpc>
-                <a:spcPct val="100000"/>
-              </a:lnSpc>
-              <a:spcBef>
-                <a:spcPts val="0"/>
-              </a:spcBef>
-              <a:spcAft>
-                <a:spcPts val="0"/>
-              </a:spcAft>
-              <a:buFontTx/>
-              <a:buNone/>
-            </a:pPr>
-            <a:endParaRPr lang="ko-KR" altLang="en-US" sz="1400" b="0" cap="none" dirty="0">
-              <a:solidFill>
-                <a:srgbClr val="000000"/>
-              </a:solidFill>
-              <a:latin typeface="Arial" charset="0"/>
-              <a:ea typeface="Arial" charset="0"/>
-            </a:endParaRPr>
-          </a:p>
-        </p:txBody>
-      </p:sp>
-      <p:sp>
-        <p:nvSpPr>
-          <p:cNvPr id="5" name="텍스트 상자 4"/>
-          <p:cNvSpPr txBox="1">
-            <a:spLocks/>
-          </p:cNvSpPr>
-          <p:nvPr/>
-        </p:nvSpPr>
-        <p:spPr>
-          <a:xfrm>
-            <a:off x="1771650" y="2095500"/>
-            <a:ext cx="5982335" cy="770255"/>
-          </a:xfrm>
-          <a:prstGeom prst="rect">
-            <a:avLst/>
-          </a:prstGeom>
-          <a:noFill/>
-        </p:spPr>
-        <p:txBody>
-          <a:bodyPr vert="horz" wrap="square" lIns="91440" tIns="45720" rIns="91440" bIns="45720" anchor="t">
-            <a:spAutoFit/>
-          </a:bodyPr>
-          <a:lstStyle/>
-          <a:p>
-            <a:pPr marL="0" indent="0" algn="ctr" defTabSz="914400" eaLnBrk="0" fontAlgn="auto">
-              <a:lnSpc>
-                <a:spcPct val="100000"/>
-              </a:lnSpc>
-              <a:spcBef>
-                <a:spcPts val="0"/>
-              </a:spcBef>
-              <a:spcAft>
-                <a:spcPts val="0"/>
-              </a:spcAft>
-              <a:buFontTx/>
-              <a:buNone/>
-            </a:pPr>
-            <a:r>
-              <a:rPr lang="en-US" altLang="ko-KR" sz="4400" b="0" cap="none" dirty="0">
-                <a:latin typeface="Arial" charset="0"/>
-                <a:ea typeface="Arial" charset="0"/>
-              </a:rPr>
-              <a:t>감사합니다.</a:t>
-            </a:r>
-            <a:endParaRPr lang="ko-KR" altLang="en-US" sz="4400" b="0" cap="none" dirty="0">
-              <a:latin typeface="Arial" charset="0"/>
-              <a:ea typeface="Arial" charset="0"/>
-            </a:endParaRPr>
-          </a:p>
-        </p:txBody>
-      </p:sp>
-    </p:spTree>
-    <p:extLst>
-      <p:ext uri="{BB962C8B-B14F-4D97-AF65-F5344CB8AC3E}">
-        <p14:creationId xmlns:p14="http://schemas.microsoft.com/office/powerpoint/2010/main" val="1951604343"/>
-      </p:ext>
-    </p:extLst>
-  </p:cSld>
-  <p:clrMapOvr>
-    <a:masterClrMapping/>
-  </p:clrMapOvr>
-</p:sld>
-</file>
-
 <file path=ppt/slides/slide2.xml><?xml version="1.0" encoding="utf-8"?>
 <p:sld xmlns:a="http://schemas.openxmlformats.org/drawingml/2006/main" xmlns:r="http://schemas.openxmlformats.org/officeDocument/2006/relationships" xmlns:p="http://schemas.openxmlformats.org/presentationml/2006/main">
   <p:cSld>
@@ -31793,30 +31665,6 @@
               </a:rPr>
               <a:t>고동현</a:t>
             </a:r>
-          </a:p>
-          <a:p>
-            <a:pPr eaLnBrk="0"/>
-            <a:endParaRPr lang="ko-KR" altLang="en-US" sz="1800" b="0" cap="none" dirty="0">
-              <a:latin typeface="맑은 고딕" charset="0"/>
-              <a:ea typeface="맑은 고딕" charset="0"/>
-            </a:endParaRPr>
-          </a:p>
-          <a:p>
-            <a:pPr eaLnBrk="0"/>
-            <a:r>
-              <a:rPr lang="en-US" altLang="ko-KR" sz="1800" dirty="0">
-                <a:latin typeface="맑은 고딕" charset="0"/>
-                <a:ea typeface="맑은 고딕" charset="0"/>
-              </a:rPr>
-              <a:t>◇ </a:t>
-            </a:r>
-            <a:r>
-              <a:rPr lang="ko-KR" altLang="en-US" sz="1800" dirty="0">
-                <a:latin typeface="맑은 고딕" charset="0"/>
-                <a:ea typeface="맑은 고딕" charset="0"/>
-              </a:rPr>
-              <a:t>문제점</a:t>
-            </a:r>
             <a:endParaRPr lang="en-US" altLang="ko-KR" sz="1800" dirty="0">
               <a:latin typeface="맑은 고딕" charset="0"/>
               <a:ea typeface="맑은 고딕" charset="0"/>
@@ -31839,16 +31687,52 @@
               <a:t>◇ </a:t>
             </a:r>
             <a:r>
-              <a:rPr lang="en-US" altLang="ko-KR" sz="1800" b="0" cap="none" dirty="0" err="1">
+              <a:rPr lang="en-US" altLang="ko-KR" sz="1800" dirty="0" err="1">
                 <a:latin typeface="맑은 고딕" charset="0"/>
                 <a:ea typeface="맑은 고딕" charset="0"/>
               </a:rPr>
               <a:t>개발일정</a:t>
             </a:r>
-            <a:endParaRPr lang="ko-KR" altLang="en-US" sz="1800" b="0" cap="none" dirty="0">
+            <a:endParaRPr lang="ko-KR" altLang="en-US" sz="1800" dirty="0">
               <a:latin typeface="맑은 고딕" charset="0"/>
               <a:ea typeface="맑은 고딕" charset="0"/>
             </a:endParaRPr>
+          </a:p>
+          <a:p>
+            <a:pPr marL="285750" indent="-285750" algn="l" defTabSz="914400" eaLnBrk="0" fontAlgn="auto" latinLnBrk="0">
+              <a:lnSpc>
+                <a:spcPct val="100000"/>
+              </a:lnSpc>
+              <a:spcBef>
+                <a:spcPts val="0"/>
+              </a:spcBef>
+              <a:spcAft>
+                <a:spcPts val="0"/>
+              </a:spcAft>
+              <a:buFont typeface="Wingdings"/>
+              <a:buChar char="l"/>
+            </a:pPr>
+            <a:endParaRPr lang="en-US" altLang="ko-KR" sz="1800" b="0" cap="none" dirty="0">
+              <a:latin typeface="Quattrocento Sans" charset="0"/>
+              <a:ea typeface="Quattrocento Sans" charset="0"/>
+            </a:endParaRPr>
+          </a:p>
+          <a:p>
+            <a:pPr eaLnBrk="0"/>
+            <a:r>
+              <a:rPr lang="en-US" altLang="ko-KR" sz="1800" dirty="0">
+                <a:latin typeface="맑은 고딕" charset="0"/>
+                <a:ea typeface="맑은 고딕" charset="0"/>
+              </a:rPr>
+              <a:t>◇ </a:t>
+            </a:r>
+            <a:r>
+              <a:rPr lang="ko-KR" altLang="en-US" sz="1800" dirty="0">
+                <a:latin typeface="맑은 고딕" charset="0"/>
+                <a:ea typeface="맑은 고딕" charset="0"/>
+              </a:rPr>
+              <a:t>시연</a:t>
+            </a:r>
           </a:p>
           <a:p>
             <a:pPr marL="285750" indent="-285750" algn="l" defTabSz="914400" eaLnBrk="0" fontAlgn="auto" latinLnBrk="0">
@@ -31988,7 +31872,7 @@
         </p:nvSpPr>
         <p:spPr>
           <a:xfrm>
-            <a:off x="926464" y="810397"/>
+            <a:off x="926464" y="984526"/>
             <a:ext cx="7936181" cy="3864969"/>
           </a:xfrm>
         </p:spPr>
@@ -32223,58 +32107,6 @@
             </a:endParaRPr>
           </a:p>
           <a:p>
-            <a:pPr algn="l" defTabSz="457200" eaLnBrk="0" fontAlgn="auto" latinLnBrk="0">
-              <a:lnSpc>
-                <a:spcPct val="100000"/>
-              </a:lnSpc>
-              <a:spcBef>
-                <a:spcPts val="0"/>
-              </a:spcBef>
-              <a:spcAft>
-                <a:spcPts val="0"/>
-              </a:spcAft>
-              <a:buClr>
-                <a:srgbClr val="000000"/>
-              </a:buClr>
-              <a:buNone/>
-            </a:pPr>
-            <a:endParaRPr lang="ko-KR" altLang="en-US" sz="2000" b="0" cap="none" dirty="0">
-              <a:solidFill>
-                <a:schemeClr val="tx1"/>
-              </a:solidFill>
-              <a:latin typeface="맑은 고딕" charset="0"/>
-              <a:ea typeface="맑은 고딕" charset="0"/>
-            </a:endParaRPr>
-          </a:p>
-          <a:p>
-            <a:pPr marL="342900" indent="-342900" algn="l" defTabSz="457200" eaLnBrk="0" fontAlgn="auto" latinLnBrk="0">
-              <a:lnSpc>
-                <a:spcPct val="100000"/>
-              </a:lnSpc>
-              <a:spcBef>
-                <a:spcPts val="0"/>
-              </a:spcBef>
-              <a:spcAft>
-                <a:spcPts val="0"/>
-              </a:spcAft>
-              <a:buClr>
-                <a:srgbClr val="000000"/>
-              </a:buClr>
-              <a:buFont typeface="Wingdings"/>
-              <a:buChar char="l"/>
-            </a:pPr>
-            <a:r>
-              <a:rPr lang="en-US" altLang="ko-KR" sz="2000" b="0" cap="none" dirty="0">
-                <a:solidFill>
-                  <a:srgbClr val="000000"/>
-                </a:solidFill>
-                <a:latin typeface="맑은 고딕" charset="0"/>
-                <a:ea typeface="맑은 고딕" charset="0"/>
-              </a:rPr>
-              <a:t>캐릭터 크기 – (x,y,z) : (0.3, 1, 0.3) M</a:t>
-            </a:r>
-          </a:p>
-          <a:p>
             <a:pPr marL="342900" indent="-342900" algn="l" defTabSz="457200" eaLnBrk="0" fontAlgn="auto" latinLnBrk="0">
               <a:lnSpc>
                 <a:spcPct val="100000"/>
@@ -32440,328 +32272,64 @@
       </p:sp>
       <p:pic>
         <p:nvPicPr>
-          <p:cNvPr id="6" name="그림 5"/>
+          <p:cNvPr id="2" name="그림 1">
+            <a:extLst>
+              <a:ext uri="{FF2B5EF4-FFF2-40B4-BE49-F238E27FC236}">
+                <a16:creationId xmlns:a16="http://schemas.microsoft.com/office/drawing/2014/main" id="{6992338F-7B3A-42ED-AC58-A2DFD83953A4}"/>
+              </a:ext>
+            </a:extLst>
+          </p:cNvPr>
           <p:cNvPicPr>
             <a:picLocks noChangeAspect="1"/>
           </p:cNvPicPr>
           <p:nvPr/>
         </p:nvPicPr>
-        <p:blipFill rotWithShape="1">
-          <a:blip r:embed="rId3">
-            <a:extLst>
-              <a:ext uri="{28A0092B-C50C-407E-A947-70E740481C1C}">
-                <a14:useLocalDpi xmlns:a14="http://schemas.microsoft.com/office/drawing/2010/main" val="0"/>
-              </a:ext>
-            </a:extLst>
-          </a:blip>
-          <a:srcRect/>
+        <p:blipFill>
+          <a:blip r:embed="rId3"/>
           <a:stretch>
             <a:fillRect/>
           </a:stretch>
         </p:blipFill>
         <p:spPr>
           <a:xfrm>
-            <a:off x="765810" y="1037590"/>
-            <a:ext cx="2618105" cy="3444875"/>
+            <a:off x="461534" y="1224735"/>
+            <a:ext cx="3595425" cy="2839569"/>
           </a:xfrm>
           <a:prstGeom prst="rect">
             <a:avLst/>
           </a:prstGeom>
-          <a:noFill/>
         </p:spPr>
       </p:pic>
-      <p:sp>
-        <p:nvSpPr>
-          <p:cNvPr id="7" name="TextBox 6"/>
-          <p:cNvSpPr txBox="1">
-            <a:spLocks/>
-          </p:cNvSpPr>
+      <p:pic>
+        <p:nvPicPr>
+          <p:cNvPr id="3" name="그림 2">
+            <a:extLst>
+              <a:ext uri="{FF2B5EF4-FFF2-40B4-BE49-F238E27FC236}">
+                <a16:creationId xmlns:a16="http://schemas.microsoft.com/office/drawing/2014/main" id="{7860087D-FBD3-495C-857B-02B106EB5A32}"/>
+              </a:ext>
+            </a:extLst>
+          </p:cNvPr>
+          <p:cNvPicPr>
+            <a:picLocks noChangeAspect="1"/>
+          </p:cNvPicPr>
           <p:nvPr/>
-        </p:nvSpPr>
+        </p:nvPicPr>
+        <p:blipFill>
+          <a:blip r:embed="rId4"/>
+          <a:stretch>
+            <a:fillRect/>
+          </a:stretch>
+        </p:blipFill>
         <p:spPr>
           <a:xfrm>
-            <a:off x="4072366" y="1590592"/>
-            <a:ext cx="4610100" cy="615315"/>
+            <a:off x="4572000" y="974033"/>
+            <a:ext cx="4175973" cy="3513483"/>
           </a:xfrm>
           <a:prstGeom prst="rect">
             <a:avLst/>
           </a:prstGeom>
-          <a:noFill/>
         </p:spPr>
-        <p:txBody>
-          <a:bodyPr vert="horz" wrap="square" lIns="91440" tIns="45720" rIns="91440" bIns="45720" numCol="1" anchor="t">
-            <a:spAutoFit/>
-          </a:bodyPr>
-          <a:lstStyle/>
-          <a:p>
-            <a:pPr marL="0" indent="0" algn="l" defTabSz="457200" eaLnBrk="0" fontAlgn="auto" latinLnBrk="0">
-              <a:lnSpc>
-                <a:spcPct val="100000"/>
-              </a:lnSpc>
-              <a:spcBef>
-                <a:spcPts val="0"/>
-              </a:spcBef>
-              <a:spcAft>
-                <a:spcPts val="0"/>
-              </a:spcAft>
-              <a:buFontTx/>
-              <a:buNone/>
-            </a:pPr>
-            <a:endParaRPr lang="ko-KR" altLang="en-US" sz="1800" b="0" cap="none" dirty="0">
-              <a:solidFill>
-                <a:schemeClr val="tx1"/>
-              </a:solidFill>
-              <a:latin typeface="Century Gothic" charset="0"/>
-              <a:ea typeface="Century Gothic" charset="0"/>
-            </a:endParaRPr>
-          </a:p>
-          <a:p>
-            <a:pPr marL="285750" indent="-285750" algn="l" defTabSz="457200" eaLnBrk="0" fontAlgn="auto" latinLnBrk="0">
-              <a:lnSpc>
-                <a:spcPct val="100000"/>
-              </a:lnSpc>
-              <a:spcBef>
-                <a:spcPts val="0"/>
-              </a:spcBef>
-              <a:spcAft>
-                <a:spcPts val="0"/>
-              </a:spcAft>
-              <a:buFont typeface="Wingdings"/>
-              <a:buChar char="l"/>
-            </a:pPr>
-            <a:r>
-              <a:rPr lang="en-US" altLang="ko-KR" sz="1600" b="0" cap="none" dirty="0">
-                <a:solidFill>
-                  <a:schemeClr val="tx1"/>
-                </a:solidFill>
-                <a:latin typeface="맑은 고딕" charset="0"/>
-                <a:ea typeface="맑은 고딕" charset="0"/>
-              </a:rPr>
-              <a:t>캐릭터는 게임 스토리에 맞게 </a:t>
-            </a:r>
-            <a:r>
-              <a:rPr lang="en-US" altLang="ko-KR" sz="1600" b="0" cap="none" dirty="0" err="1">
-                <a:solidFill>
-                  <a:schemeClr val="tx1"/>
-                </a:solidFill>
-                <a:latin typeface="맑은 고딕" charset="0"/>
-                <a:ea typeface="맑은 고딕" charset="0"/>
-              </a:rPr>
-              <a:t>로봇을</a:t>
-            </a:r>
-            <a:r>
-              <a:rPr lang="en-US" altLang="ko-KR" sz="1600" b="0" cap="none" dirty="0">
-                <a:solidFill>
-                  <a:schemeClr val="tx1"/>
-                </a:solidFill>
-                <a:latin typeface="맑은 고딕" charset="0"/>
-                <a:ea typeface="맑은 고딕" charset="0"/>
-              </a:rPr>
-              <a:t> </a:t>
-            </a:r>
-            <a:r>
-              <a:rPr lang="en-US" altLang="ko-KR" sz="1600" b="0" cap="none" dirty="0" err="1">
-                <a:solidFill>
-                  <a:schemeClr val="tx1"/>
-                </a:solidFill>
-                <a:latin typeface="맑은 고딕" charset="0"/>
-                <a:ea typeface="맑은 고딕" charset="0"/>
-              </a:rPr>
-              <a:t>사용</a:t>
-            </a:r>
-            <a:endParaRPr lang="ko-KR" altLang="en-US" sz="1600" b="0" cap="none" dirty="0">
-              <a:solidFill>
-                <a:schemeClr val="tx1"/>
-              </a:solidFill>
-              <a:latin typeface="맑은 고딕" charset="0"/>
-              <a:ea typeface="맑은 고딕" charset="0"/>
-            </a:endParaRPr>
-          </a:p>
-        </p:txBody>
-      </p:sp>
-      <p:sp>
-        <p:nvSpPr>
-          <p:cNvPr id="8" name="TextBox 7"/>
-          <p:cNvSpPr txBox="1">
-            <a:spLocks/>
-          </p:cNvSpPr>
-          <p:nvPr/>
-        </p:nvSpPr>
-        <p:spPr>
-          <a:xfrm>
-            <a:off x="4072366" y="2418632"/>
-            <a:ext cx="4991100" cy="1077218"/>
-          </a:xfrm>
-          <a:prstGeom prst="rect">
-            <a:avLst/>
-          </a:prstGeom>
-          <a:noFill/>
-        </p:spPr>
-        <p:txBody>
-          <a:bodyPr vert="horz" wrap="square" lIns="91440" tIns="45720" rIns="91440" bIns="45720" numCol="1" anchor="t">
-            <a:spAutoFit/>
-          </a:bodyPr>
-          <a:lstStyle/>
-          <a:p>
-            <a:pPr marL="285750" indent="-285750" algn="l" defTabSz="457200" eaLnBrk="0" fontAlgn="auto" latinLnBrk="0">
-              <a:lnSpc>
-                <a:spcPct val="100000"/>
-              </a:lnSpc>
-              <a:spcBef>
-                <a:spcPts val="0"/>
-              </a:spcBef>
-              <a:spcAft>
-                <a:spcPts val="0"/>
-              </a:spcAft>
-              <a:buFont typeface="Wingdings"/>
-              <a:buChar char="l"/>
-            </a:pPr>
-            <a:r>
-              <a:rPr lang="en-US" altLang="ko-KR" sz="1600" b="0" cap="none" dirty="0">
-                <a:solidFill>
-                  <a:schemeClr val="tx1"/>
-                </a:solidFill>
-                <a:latin typeface="맑은 고딕" charset="0"/>
-                <a:ea typeface="맑은 고딕" charset="0"/>
-              </a:rPr>
-              <a:t>맵 곳곳에 숨겨진 </a:t>
-            </a:r>
-            <a:r>
-              <a:rPr lang="en-US" altLang="ko-KR" sz="1600" b="1" cap="none" dirty="0">
-                <a:solidFill>
-                  <a:schemeClr val="tx1"/>
-                </a:solidFill>
-                <a:latin typeface="맑은 고딕" charset="0"/>
-                <a:ea typeface="맑은 고딕" charset="0"/>
-              </a:rPr>
-              <a:t>충전기</a:t>
-            </a:r>
-            <a:r>
-              <a:rPr lang="en-US" altLang="ko-KR" sz="1600" b="0" cap="none" dirty="0">
-                <a:solidFill>
-                  <a:schemeClr val="tx1"/>
-                </a:solidFill>
-                <a:latin typeface="맑은 고딕" charset="0"/>
-                <a:ea typeface="맑은 고딕" charset="0"/>
-              </a:rPr>
-              <a:t>로 </a:t>
-            </a:r>
-            <a:endParaRPr lang="ko-KR" altLang="en-US" sz="1600" b="0" cap="none" dirty="0">
-              <a:solidFill>
-                <a:schemeClr val="tx1"/>
-              </a:solidFill>
-              <a:latin typeface="맑은 고딕" charset="0"/>
-              <a:ea typeface="맑은 고딕" charset="0"/>
-            </a:endParaRPr>
-          </a:p>
-          <a:p>
-            <a:pPr marL="0" indent="0" algn="l" defTabSz="457200" eaLnBrk="0" fontAlgn="auto" latinLnBrk="0">
-              <a:lnSpc>
-                <a:spcPct val="100000"/>
-              </a:lnSpc>
-              <a:spcBef>
-                <a:spcPts val="0"/>
-              </a:spcBef>
-              <a:spcAft>
-                <a:spcPts val="0"/>
-              </a:spcAft>
-              <a:buFontTx/>
-              <a:buNone/>
-            </a:pPr>
-            <a:r>
-              <a:rPr lang="en-US" altLang="ko-KR" sz="1600" b="0" cap="none" dirty="0">
-                <a:solidFill>
-                  <a:schemeClr val="tx1"/>
-                </a:solidFill>
-                <a:latin typeface="맑은 고딕" charset="0"/>
-                <a:ea typeface="맑은 고딕" charset="0"/>
-              </a:rPr>
-              <a:t>    </a:t>
-            </a:r>
-            <a:r>
-              <a:rPr lang="en-US" altLang="ko-KR" sz="1600" b="1" cap="none" dirty="0">
-                <a:solidFill>
-                  <a:schemeClr val="tx1"/>
-                </a:solidFill>
-                <a:latin typeface="맑은 고딕" charset="0"/>
-                <a:ea typeface="맑은 고딕" charset="0"/>
-              </a:rPr>
-              <a:t>배터리를 충전</a:t>
-            </a:r>
-            <a:r>
-              <a:rPr lang="en-US" altLang="ko-KR" sz="1600" b="0" cap="none" dirty="0">
-                <a:solidFill>
-                  <a:schemeClr val="tx1"/>
-                </a:solidFill>
-                <a:latin typeface="맑은 고딕" charset="0"/>
-                <a:ea typeface="맑은 고딕" charset="0"/>
-              </a:rPr>
-              <a:t>하여 움직인다.</a:t>
-            </a:r>
-            <a:endParaRPr lang="ko-KR" altLang="en-US" sz="1600" b="0" cap="none" dirty="0">
-              <a:solidFill>
-                <a:schemeClr val="tx1"/>
-              </a:solidFill>
-              <a:latin typeface="맑은 고딕" charset="0"/>
-              <a:ea typeface="맑은 고딕" charset="0"/>
-            </a:endParaRPr>
-          </a:p>
-          <a:p>
-            <a:pPr marL="285750" indent="-285750" algn="l" defTabSz="457200" eaLnBrk="0" fontAlgn="auto" latinLnBrk="0">
-              <a:lnSpc>
-                <a:spcPct val="100000"/>
-              </a:lnSpc>
-              <a:spcBef>
-                <a:spcPts val="0"/>
-              </a:spcBef>
-              <a:spcAft>
-                <a:spcPts val="0"/>
-              </a:spcAft>
-              <a:buFont typeface="Wingdings"/>
-              <a:buChar char="l"/>
-            </a:pPr>
-            <a:endParaRPr lang="ko-KR" altLang="en-US" sz="1600" b="0" cap="none" dirty="0">
-              <a:solidFill>
-                <a:schemeClr val="tx1"/>
-              </a:solidFill>
-              <a:latin typeface="맑은 고딕" charset="0"/>
-              <a:ea typeface="맑은 고딕" charset="0"/>
-            </a:endParaRPr>
-          </a:p>
-          <a:p>
-            <a:pPr marL="285750" indent="-285750" algn="l" defTabSz="457200" eaLnBrk="0" fontAlgn="auto" latinLnBrk="0">
-              <a:lnSpc>
-                <a:spcPct val="100000"/>
-              </a:lnSpc>
-              <a:spcBef>
-                <a:spcPts val="0"/>
-              </a:spcBef>
-              <a:spcAft>
-                <a:spcPts val="0"/>
-              </a:spcAft>
-              <a:buFont typeface="Wingdings"/>
-              <a:buChar char="l"/>
-            </a:pPr>
-            <a:r>
-              <a:rPr lang="ko-KR" altLang="en-US" sz="1600" b="0" cap="none" dirty="0">
-                <a:solidFill>
-                  <a:schemeClr val="tx1"/>
-                </a:solidFill>
-                <a:latin typeface="맑은 고딕" charset="0"/>
-                <a:ea typeface="맑은 고딕" charset="0"/>
-              </a:rPr>
-              <a:t>배터리를 효율적으로 사용해서 탈출</a:t>
-            </a:r>
-            <a:endParaRPr lang="ko-KR" altLang="en-US" sz="2000" b="0" cap="none" dirty="0">
-              <a:solidFill>
-                <a:schemeClr val="tx1"/>
-              </a:solidFill>
-              <a:latin typeface="맑은 고딕" charset="0"/>
-              <a:ea typeface="맑은 고딕" charset="0"/>
-            </a:endParaRPr>
-          </a:p>
-        </p:txBody>
-      </p:sp>
+      </p:pic>
     </p:spTree>
     <p:extLst>
       <p:ext uri="{BB962C8B-B14F-4D97-AF65-F5344CB8AC3E}">
@@ -33768,473 +33336,6 @@
                 <a:latin typeface="맑은 고딕" charset="0"/>
                 <a:ea typeface="맑은 고딕" charset="0"/>
               </a:rPr>
-              <a:t>문제점</a:t>
-            </a:r>
-          </a:p>
-        </p:txBody>
-      </p:sp>
-      <p:graphicFrame>
-        <p:nvGraphicFramePr>
-          <p:cNvPr id="6" name="표 5">
-            <a:extLst>
-              <a:ext uri="{FF2B5EF4-FFF2-40B4-BE49-F238E27FC236}">
-                <a16:creationId xmlns:a16="http://schemas.microsoft.com/office/drawing/2014/main" id="{E28830F0-670E-494A-BB09-90CF1B4679AE}"/>
-              </a:ext>
-            </a:extLst>
-          </p:cNvPr>
-          <p:cNvGraphicFramePr>
-            <a:graphicFrameLocks noGrp="1"/>
-          </p:cNvGraphicFramePr>
-          <p:nvPr>
-            <p:extLst>
-              <p:ext uri="{D42A27DB-BD31-4B8C-83A1-F6EECF244321}">
-                <p14:modId xmlns:p14="http://schemas.microsoft.com/office/powerpoint/2010/main" val="3250564620"/>
-              </p:ext>
-            </p:extLst>
-          </p:nvPr>
-        </p:nvGraphicFramePr>
-        <p:xfrm>
-          <a:off x="467139" y="1242340"/>
-          <a:ext cx="8458200" cy="3270025"/>
-        </p:xfrm>
-        <a:graphic>
-          <a:graphicData uri="http://schemas.openxmlformats.org/drawingml/2006/table">
-            <a:tbl>
-              <a:tblPr firstRow="1" bandRow="1">
-                <a:tableStyleId>{D9701753-670D-4A37-BD9C-7B21E2463797}</a:tableStyleId>
-              </a:tblPr>
-              <a:tblGrid>
-                <a:gridCol w="2170690">
-                  <a:extLst>
-                    <a:ext uri="{9D8B030D-6E8A-4147-A177-3AD203B41FA5}">
-                      <a16:colId xmlns:a16="http://schemas.microsoft.com/office/drawing/2014/main" val="1269607056"/>
-                    </a:ext>
-                  </a:extLst>
-                </a:gridCol>
-                <a:gridCol w="1379402">
-                  <a:extLst>
-                    <a:ext uri="{9D8B030D-6E8A-4147-A177-3AD203B41FA5}">
-                      <a16:colId xmlns:a16="http://schemas.microsoft.com/office/drawing/2014/main" val="1111888365"/>
-                    </a:ext>
-                  </a:extLst>
-                </a:gridCol>
-                <a:gridCol w="4908108">
-                  <a:extLst>
-                    <a:ext uri="{9D8B030D-6E8A-4147-A177-3AD203B41FA5}">
-                      <a16:colId xmlns:a16="http://schemas.microsoft.com/office/drawing/2014/main" val="2129660356"/>
-                    </a:ext>
-                  </a:extLst>
-                </a:gridCol>
-              </a:tblGrid>
-              <a:tr h="1635466">
-                <a:tc>
-                  <a:txBody>
-                    <a:bodyPr/>
-                    <a:lstStyle/>
-                    <a:p>
-                      <a:pPr algn="ctr" latinLnBrk="1"/>
-                      <a:r>
-                        <a:rPr lang="en-US" altLang="ko-KR" sz="2400" b="1" dirty="0"/>
-                        <a:t> </a:t>
-                      </a:r>
-                    </a:p>
-                    <a:p>
-                      <a:pPr algn="ctr" latinLnBrk="1"/>
-                      <a:endParaRPr lang="en-US" altLang="ko-KR" sz="2000" b="1" dirty="0"/>
-                    </a:p>
-                    <a:p>
-                      <a:pPr algn="ctr" latinLnBrk="1"/>
-                      <a:r>
-                        <a:rPr lang="ko-KR" altLang="en-US" sz="2400" b="1" dirty="0"/>
-                        <a:t>클라이언트</a:t>
-                      </a:r>
-                      <a:endParaRPr lang="en-US" altLang="ko-KR" sz="2400" b="1" dirty="0"/>
-                    </a:p>
-                    <a:p>
-                      <a:pPr algn="ctr" latinLnBrk="1"/>
-                      <a:endParaRPr lang="ko-KR" altLang="en-US" sz="2400" b="1" dirty="0"/>
-                    </a:p>
-                  </a:txBody>
-                  <a:tcPr>
-                    <a:solidFill>
-                      <a:srgbClr val="FFC000"/>
-                    </a:solidFill>
-                  </a:tcPr>
-                </a:tc>
-                <a:tc>
-                  <a:txBody>
-                    <a:bodyPr/>
-                    <a:lstStyle/>
-                    <a:p>
-                      <a:pPr latinLnBrk="1"/>
-                      <a:endParaRPr lang="en-US" altLang="ko-KR" sz="2400" dirty="0"/>
-                    </a:p>
-                    <a:p>
-                      <a:pPr latinLnBrk="1"/>
-                      <a:endParaRPr lang="en-US" altLang="ko-KR" sz="2000" dirty="0"/>
-                    </a:p>
-                    <a:p>
-                      <a:pPr latinLnBrk="1"/>
-                      <a:r>
-                        <a:rPr lang="ko-KR" altLang="en-US" sz="2400" dirty="0"/>
-                        <a:t> 양기석</a:t>
-                      </a:r>
-                    </a:p>
-                  </a:txBody>
-                  <a:tcPr/>
-                </a:tc>
-                <a:tc>
-                  <a:txBody>
-                    <a:bodyPr/>
-                    <a:lstStyle/>
-                    <a:p>
-                      <a:pPr latinLnBrk="1"/>
-                      <a:r>
-                        <a:rPr lang="en-US" altLang="ko-KR" sz="2000" dirty="0"/>
-                        <a:t> </a:t>
-                      </a:r>
-                    </a:p>
-                    <a:p>
-                      <a:pPr latinLnBrk="1"/>
-                      <a:endParaRPr lang="en-US" altLang="ko-KR" sz="2000" dirty="0"/>
-                    </a:p>
-                    <a:p>
-                      <a:pPr algn="ctr" latinLnBrk="1"/>
-                      <a:r>
-                        <a:rPr lang="ko-KR" altLang="en-US" sz="2000" dirty="0"/>
-                        <a:t>게임구현 퀄리티 불만족</a:t>
-                      </a:r>
-                      <a:endParaRPr lang="en-US" altLang="ko-KR" sz="2000" dirty="0"/>
-                    </a:p>
-                    <a:p>
-                      <a:pPr algn="ctr" latinLnBrk="1"/>
-                      <a:endParaRPr lang="ko-KR" altLang="en-US" sz="2000" dirty="0"/>
-                    </a:p>
-                  </a:txBody>
-                  <a:tcPr/>
-                </a:tc>
-                <a:extLst>
-                  <a:ext uri="{0D108BD9-81ED-4DB2-BD59-A6C34878D82A}">
-                    <a16:rowId xmlns:a16="http://schemas.microsoft.com/office/drawing/2014/main" val="2798993584"/>
-                  </a:ext>
-                </a:extLst>
-              </a:tr>
-              <a:tr h="1634559">
-                <a:tc>
-                  <a:txBody>
-                    <a:bodyPr/>
-                    <a:lstStyle/>
-                    <a:p>
-                      <a:pPr algn="ctr" latinLnBrk="1"/>
-                      <a:endParaRPr lang="en-US" altLang="ko-KR" sz="3200" b="1" dirty="0"/>
-                    </a:p>
-                    <a:p>
-                      <a:pPr algn="ctr" latinLnBrk="1"/>
-                      <a:r>
-                        <a:rPr lang="ko-KR" altLang="en-US" sz="2400" b="1" dirty="0"/>
-                        <a:t>서버</a:t>
-                      </a:r>
-                    </a:p>
-                  </a:txBody>
-                  <a:tcPr>
-                    <a:solidFill>
-                      <a:srgbClr val="FFC000"/>
-                    </a:solidFill>
-                  </a:tcPr>
-                </a:tc>
-                <a:tc>
-                  <a:txBody>
-                    <a:bodyPr/>
-                    <a:lstStyle/>
-                    <a:p>
-                      <a:pPr latinLnBrk="1"/>
-                      <a:endParaRPr lang="en-US" altLang="ko-KR" sz="3200" dirty="0"/>
-                    </a:p>
-                    <a:p>
-                      <a:pPr latinLnBrk="1"/>
-                      <a:r>
-                        <a:rPr lang="ko-KR" altLang="en-US" sz="2400" dirty="0"/>
-                        <a:t> 고동현</a:t>
-                      </a:r>
-                    </a:p>
-                  </a:txBody>
-                  <a:tcPr/>
-                </a:tc>
-                <a:tc>
-                  <a:txBody>
-                    <a:bodyPr/>
-                    <a:lstStyle/>
-                    <a:p>
-                      <a:pPr latinLnBrk="1"/>
-                      <a:r>
-                        <a:rPr lang="en-US" altLang="ko-KR" sz="2000" dirty="0"/>
-                        <a:t>   </a:t>
-                      </a:r>
-                    </a:p>
-                    <a:p>
-                      <a:pPr latinLnBrk="1"/>
-                      <a:r>
-                        <a:rPr lang="en-US" altLang="ko-KR" sz="2000" dirty="0"/>
-                        <a:t> </a:t>
-                      </a:r>
-                    </a:p>
-                    <a:p>
-                      <a:pPr algn="ctr" latinLnBrk="1"/>
-                      <a:r>
-                        <a:rPr lang="ko-KR" altLang="en-US" sz="2000" dirty="0"/>
-                        <a:t>객체동기화 불안정성</a:t>
-                      </a:r>
-                      <a:r>
-                        <a:rPr lang="en-US" altLang="ko-KR" sz="2000" dirty="0"/>
-                        <a:t>, </a:t>
-                      </a:r>
-                      <a:r>
-                        <a:rPr lang="ko-KR" altLang="en-US" sz="2000" dirty="0"/>
-                        <a:t>복잡한 서버구조</a:t>
-                      </a:r>
-                      <a:endParaRPr lang="en-US" altLang="ko-KR" sz="2000" dirty="0"/>
-                    </a:p>
-                    <a:p>
-                      <a:pPr algn="ctr" latinLnBrk="1"/>
-                      <a:endParaRPr lang="en-US" altLang="ko-KR" sz="2000" dirty="0"/>
-                    </a:p>
-                    <a:p>
-                      <a:pPr latinLnBrk="1"/>
-                      <a:endParaRPr lang="en-US" altLang="ko-KR" sz="2000" dirty="0"/>
-                    </a:p>
-                  </a:txBody>
-                  <a:tcPr/>
-                </a:tc>
-                <a:extLst>
-                  <a:ext uri="{0D108BD9-81ED-4DB2-BD59-A6C34878D82A}">
-                    <a16:rowId xmlns:a16="http://schemas.microsoft.com/office/drawing/2014/main" val="1305682104"/>
-                  </a:ext>
-                </a:extLst>
-              </a:tr>
-            </a:tbl>
-          </a:graphicData>
-        </a:graphic>
-      </p:graphicFrame>
-    </p:spTree>
-    <p:extLst>
-      <p:ext uri="{BB962C8B-B14F-4D97-AF65-F5344CB8AC3E}">
-        <p14:creationId xmlns:p14="http://schemas.microsoft.com/office/powerpoint/2010/main" val="4175973572"/>
-      </p:ext>
-    </p:extLst>
-  </p:cSld>
-  <p:clrMapOvr>
-    <a:masterClrMapping/>
-  </p:clrMapOvr>
-</p:sld>
-</file>
-
-<file path=ppt/slides/slide8.xml><?xml version="1.0" encoding="utf-8"?>
-<p:sld xmlns:a="http://schemas.openxmlformats.org/drawingml/2006/main" xmlns:r="http://schemas.openxmlformats.org/officeDocument/2006/relationships" xmlns:p="http://schemas.openxmlformats.org/presentationml/2006/main">
-  <p:cSld>
-    <p:spTree>
-      <p:nvGrpSpPr>
-        <p:cNvPr id="1" name=""/>
-        <p:cNvGrpSpPr/>
-        <p:nvPr/>
-      </p:nvGrpSpPr>
-      <p:grpSpPr>
-        <a:xfrm>
-          <a:off x="0" y="0"/>
-          <a:ext cx="0" cy="0"/>
-          <a:chOff x="0" y="0"/>
-          <a:chExt cx="0" cy="0"/>
-        </a:xfrm>
-      </p:grpSpPr>
-      <p:sp>
-        <p:nvSpPr>
-          <p:cNvPr id="4" name="Shape 139">
-            <a:extLst>
-              <a:ext uri="{FF2B5EF4-FFF2-40B4-BE49-F238E27FC236}">
-                <a16:creationId xmlns:a16="http://schemas.microsoft.com/office/drawing/2014/main" id="{3EEBDB11-D5CD-4A33-8D75-40E1776E7BEF}"/>
-              </a:ext>
-            </a:extLst>
-          </p:cNvPr>
-          <p:cNvSpPr txBox="1">
-            <a:spLocks/>
-          </p:cNvSpPr>
-          <p:nvPr/>
-        </p:nvSpPr>
-        <p:spPr>
-          <a:xfrm>
-            <a:off x="1381125" y="294005"/>
-            <a:ext cx="3879215" cy="436245"/>
-          </a:xfrm>
-          <a:prstGeom prst="rect">
-            <a:avLst/>
-          </a:prstGeom>
-          <a:noFill/>
-          <a:ln>
-            <a:noFill/>
-          </a:ln>
-        </p:spPr>
-        <p:txBody>
-          <a:bodyPr vert="horz" wrap="square" lIns="91440" tIns="91440" rIns="91440" bIns="91440" numCol="1" anchor="ctr" anchorCtr="0">
-            <a:noAutofit/>
-          </a:bodyPr>
-          <a:lstStyle>
-            <a:defPPr marR="0" algn="l" rtl="0">
-              <a:lnSpc>
-                <a:spcPct val="100000"/>
-              </a:lnSpc>
-              <a:spcBef>
-                <a:spcPts val="0"/>
-              </a:spcBef>
-              <a:spcAft>
-                <a:spcPts val="0"/>
-              </a:spcAft>
-            </a:defPPr>
-            <a:lvl1pPr marR="0" algn="l" rtl="0">
-              <a:lnSpc>
-                <a:spcPct val="100000"/>
-              </a:lnSpc>
-              <a:spcBef>
-                <a:spcPts val="0"/>
-              </a:spcBef>
-              <a:spcAft>
-                <a:spcPts val="0"/>
-              </a:spcAft>
-              <a:buSzPct val="100000"/>
-              <a:buFont typeface="Lora"/>
-              <a:buNone/>
-              <a:defRPr sz="2000" b="1" i="0" u="none" strike="noStrike" cap="none" baseline="0">
-                <a:solidFill>
-                  <a:srgbClr val="000000"/>
-                </a:solidFill>
-                <a:latin typeface="Lora"/>
-                <a:ea typeface="Lora"/>
-                <a:cs typeface="Lora"/>
-                <a:sym typeface="Lora"/>
-                <a:rtl val="0"/>
-              </a:defRPr>
-            </a:lvl1pPr>
-            <a:lvl2pPr>
-              <a:spcBef>
-                <a:spcPts val="0"/>
-              </a:spcBef>
-              <a:buSzPct val="100000"/>
-              <a:buFont typeface="Lora"/>
-              <a:buNone/>
-              <a:defRPr sz="2000" b="1">
-                <a:latin typeface="Lora"/>
-                <a:ea typeface="Lora"/>
-                <a:cs typeface="Lora"/>
-                <a:sym typeface="Lora"/>
-              </a:defRPr>
-            </a:lvl2pPr>
-            <a:lvl3pPr>
-              <a:spcBef>
-                <a:spcPts val="0"/>
-              </a:spcBef>
-              <a:buSzPct val="100000"/>
-              <a:buFont typeface="Lora"/>
-              <a:buNone/>
-              <a:defRPr sz="2000" b="1">
-                <a:latin typeface="Lora"/>
-                <a:ea typeface="Lora"/>
-                <a:cs typeface="Lora"/>
-                <a:sym typeface="Lora"/>
-              </a:defRPr>
-            </a:lvl3pPr>
-            <a:lvl4pPr>
-              <a:spcBef>
-                <a:spcPts val="0"/>
-              </a:spcBef>
-              <a:buSzPct val="100000"/>
-              <a:buFont typeface="Lora"/>
-              <a:buNone/>
-              <a:defRPr sz="2000" b="1">
-                <a:latin typeface="Lora"/>
-                <a:ea typeface="Lora"/>
-                <a:cs typeface="Lora"/>
-                <a:sym typeface="Lora"/>
-              </a:defRPr>
-            </a:lvl4pPr>
-            <a:lvl5pPr>
-              <a:spcBef>
-                <a:spcPts val="0"/>
-              </a:spcBef>
-              <a:buSzPct val="100000"/>
-              <a:buFont typeface="Lora"/>
-              <a:buNone/>
-              <a:defRPr sz="2000" b="1">
-                <a:latin typeface="Lora"/>
-                <a:ea typeface="Lora"/>
-                <a:cs typeface="Lora"/>
-                <a:sym typeface="Lora"/>
-              </a:defRPr>
-            </a:lvl5pPr>
-            <a:lvl6pPr>
-              <a:spcBef>
-                <a:spcPts val="0"/>
-              </a:spcBef>
-              <a:buSzPct val="100000"/>
-              <a:buFont typeface="Lora"/>
-              <a:buNone/>
-              <a:defRPr sz="2000" b="1">
-                <a:latin typeface="Lora"/>
-                <a:ea typeface="Lora"/>
-                <a:cs typeface="Lora"/>
-                <a:sym typeface="Lora"/>
-              </a:defRPr>
-            </a:lvl6pPr>
-            <a:lvl7pPr>
-              <a:spcBef>
-                <a:spcPts val="0"/>
-              </a:spcBef>
-              <a:buSzPct val="100000"/>
-              <a:buFont typeface="Lora"/>
-              <a:buNone/>
-              <a:defRPr sz="2000" b="1">
-                <a:latin typeface="Lora"/>
-                <a:ea typeface="Lora"/>
-                <a:cs typeface="Lora"/>
-                <a:sym typeface="Lora"/>
-              </a:defRPr>
-            </a:lvl7pPr>
-            <a:lvl8pPr>
-              <a:spcBef>
-                <a:spcPts val="0"/>
-              </a:spcBef>
-              <a:buSzPct val="100000"/>
-              <a:buFont typeface="Lora"/>
-              <a:buNone/>
-              <a:defRPr sz="2000" b="1">
-                <a:latin typeface="Lora"/>
-                <a:ea typeface="Lora"/>
-                <a:cs typeface="Lora"/>
-                <a:sym typeface="Lora"/>
-              </a:defRPr>
-            </a:lvl8pPr>
-            <a:lvl9pPr>
-              <a:spcBef>
-                <a:spcPts val="0"/>
-              </a:spcBef>
-              <a:buSzPct val="100000"/>
-              <a:buFont typeface="Lora"/>
-              <a:buNone/>
-              <a:defRPr sz="2000" b="1">
-                <a:latin typeface="Lora"/>
-                <a:ea typeface="Lora"/>
-                <a:cs typeface="Lora"/>
-                <a:sym typeface="Lora"/>
-              </a:defRPr>
-            </a:lvl9pPr>
-          </a:lstStyle>
-          <a:p>
-            <a:pPr eaLnBrk="0">
-              <a:buFontTx/>
-              <a:buNone/>
-            </a:pPr>
-            <a:r>
-              <a:rPr lang="ko-KR" altLang="en-US" dirty="0">
-                <a:latin typeface="맑은 고딕" charset="0"/>
-                <a:ea typeface="맑은 고딕" charset="0"/>
-              </a:rPr>
               <a:t>향후 개발일정</a:t>
             </a:r>
           </a:p>
@@ -34511,7 +33612,7 @@
 </p:sld>
 </file>
 
-<file path=ppt/slides/slide9.xml><?xml version="1.0" encoding="utf-8"?>
+<file path=ppt/slides/slide8.xml><?xml version="1.0" encoding="utf-8"?>
 <p:sld xmlns:a="http://schemas.openxmlformats.org/drawingml/2006/main" xmlns:r="http://schemas.openxmlformats.org/officeDocument/2006/relationships" xmlns:p="http://schemas.openxmlformats.org/presentationml/2006/main">
   <p:cSld>
     <p:spTree>
@@ -38333,6 +37434,133 @@
 </p:sld>
 </file>
 
+<file path=ppt/slides/slide9.xml><?xml version="1.0" encoding="utf-8"?>
+<p:sld xmlns:a="http://schemas.openxmlformats.org/drawingml/2006/main" xmlns:r="http://schemas.openxmlformats.org/officeDocument/2006/relationships" xmlns:p="http://schemas.openxmlformats.org/presentationml/2006/main">
+  <p:cSld>
+    <p:spTree>
+      <p:nvGrpSpPr>
+        <p:cNvPr id="1" name=""/>
+        <p:cNvGrpSpPr/>
+        <p:nvPr/>
+      </p:nvGrpSpPr>
+      <p:grpSpPr>
+        <a:xfrm>
+          <a:off x="0" y="0"/>
+          <a:ext cx="0" cy="0"/>
+          <a:chOff x="0" y="0"/>
+          <a:chExt cx="0" cy="0"/>
+        </a:xfrm>
+      </p:grpSpPr>
+      <p:sp>
+        <p:nvSpPr>
+          <p:cNvPr id="4" name="텍스트 상자 3"/>
+          <p:cNvSpPr txBox="1">
+            <a:spLocks/>
+          </p:cNvSpPr>
+          <p:nvPr/>
+        </p:nvSpPr>
+        <p:spPr>
+          <a:xfrm>
+            <a:off x="1097280" y="1991995"/>
+            <a:ext cx="4524375" cy="1160145"/>
+          </a:xfrm>
+          <a:prstGeom prst="rect">
+            <a:avLst/>
+          </a:prstGeom>
+        </p:spPr>
+        <p:txBody>
+          <a:bodyPr vert="horz" wrap="square" lIns="91440" tIns="91440" rIns="91440" bIns="91440" anchor="b">
+            <a:noAutofit/>
+          </a:bodyPr>
+          <a:lstStyle/>
+          <a:p>
+            <a:pPr marL="0" indent="0" algn="l" defTabSz="914400" eaLnBrk="0" fontAlgn="auto">
+              <a:lnSpc>
+                <a:spcPct val="100000"/>
+              </a:lnSpc>
+              <a:spcBef>
+                <a:spcPts val="0"/>
+              </a:spcBef>
+              <a:spcAft>
+                <a:spcPts val="0"/>
+              </a:spcAft>
+              <a:buFontTx/>
+              <a:buNone/>
+            </a:pPr>
+            <a:endParaRPr lang="ko-KR" altLang="en-US" sz="1400" b="0" cap="none" dirty="0">
+              <a:solidFill>
+                <a:srgbClr val="000000"/>
+              </a:solidFill>
+              <a:latin typeface="Arial" charset="0"/>
+              <a:ea typeface="Arial" charset="0"/>
+            </a:endParaRPr>
+          </a:p>
+        </p:txBody>
+      </p:sp>
+      <p:sp>
+        <p:nvSpPr>
+          <p:cNvPr id="5" name="텍스트 상자 4"/>
+          <p:cNvSpPr txBox="1">
+            <a:spLocks/>
+          </p:cNvSpPr>
+          <p:nvPr/>
+        </p:nvSpPr>
+        <p:spPr>
+          <a:xfrm>
+            <a:off x="1771650" y="2095500"/>
+            <a:ext cx="5982335" cy="770255"/>
+          </a:xfrm>
+          <a:prstGeom prst="rect">
+            <a:avLst/>
+          </a:prstGeom>
+          <a:noFill/>
+        </p:spPr>
+        <p:txBody>
+          <a:bodyPr vert="horz" wrap="square" lIns="91440" tIns="45720" rIns="91440" bIns="45720" anchor="t">
+            <a:spAutoFit/>
+          </a:bodyPr>
+          <a:lstStyle/>
+          <a:p>
+            <a:pPr marL="0" indent="0" algn="ctr" defTabSz="914400" eaLnBrk="0" fontAlgn="auto">
+              <a:lnSpc>
+                <a:spcPct val="100000"/>
+              </a:lnSpc>
+              <a:spcBef>
+                <a:spcPts val="0"/>
+              </a:spcBef>
+              <a:spcAft>
+                <a:spcPts val="0"/>
+              </a:spcAft>
+              <a:buFontTx/>
+              <a:buNone/>
+            </a:pPr>
+            <a:r>
+              <a:rPr lang="en-US" altLang="ko-KR" sz="4400" b="0" cap="none" dirty="0">
+                <a:latin typeface="Arial" charset="0"/>
+                <a:ea typeface="Arial" charset="0"/>
+              </a:rPr>
+              <a:t>감사합니다.</a:t>
+            </a:r>
+            <a:endParaRPr lang="ko-KR" altLang="en-US" sz="4400" b="0" cap="none" dirty="0">
+              <a:latin typeface="Arial" charset="0"/>
+              <a:ea typeface="Arial" charset="0"/>
+            </a:endParaRPr>
+          </a:p>
+        </p:txBody>
+      </p:sp>
+    </p:spTree>
+    <p:extLst>
+      <p:ext uri="{BB962C8B-B14F-4D97-AF65-F5344CB8AC3E}">
+        <p14:creationId xmlns:p14="http://schemas.microsoft.com/office/powerpoint/2010/main" val="1951604343"/>
+      </p:ext>
+    </p:extLst>
+  </p:cSld>
+  <p:clrMapOvr>
+    <a:masterClrMapping/>
+  </p:clrMapOvr>
+</p:sld>
+</file>
+
 <file path=ppt/theme/theme1.xml><?xml version="1.0" encoding="utf-8"?>
 <a:theme xmlns:a="http://schemas.openxmlformats.org/drawingml/2006/main" name="Viola template">
   <a:themeElements>
